--- a/W1/3. W1S3 final/Code files/Misc/Some_neural_networks_diagrams.pptx
+++ b/W1/3. W1S3 final/Code files/Misc/Some_neural_networks_diagrams.pptx
@@ -117,7 +117,7 @@
 <file path=ppt/revisionInfo.xml><?xml version="1.0" encoding="utf-8"?>
 <p1510:revInfo xmlns:a="http://schemas.openxmlformats.org/drawingml/2006/main" xmlns:r="http://schemas.openxmlformats.org/officeDocument/2006/relationships" xmlns:p1510="http://schemas.microsoft.com/office/powerpoint/2015/10/main">
   <p1510:revLst>
-    <p1510:client id="{23890D2B-5D6C-432C-828D-FBF8CC830F3A}" v="6" dt="2023-01-25T05:27:30.506"/>
+    <p1510:client id="{9F696AC1-3591-4A78-8CFC-3B2CB65F546F}" v="2" dt="2023-01-27T08:38:22.419"/>
   </p1510:revLst>
 </p1510:revInfo>
 </file>
@@ -1289,6 +1289,30 @@
       </pc:sldMasterChg>
     </pc:docChg>
   </pc:docChgLst>
+  <pc:docChgLst>
+    <pc:chgData name="Matthieu De Mari" userId="dfb708c9-d8dc-439f-9a3b-c772bf4a311c" providerId="ADAL" clId="{9F696AC1-3591-4A78-8CFC-3B2CB65F546F}"/>
+    <pc:docChg chg="modSld">
+      <pc:chgData name="Matthieu De Mari" userId="dfb708c9-d8dc-439f-9a3b-c772bf4a311c" providerId="ADAL" clId="{9F696AC1-3591-4A78-8CFC-3B2CB65F546F}" dt="2023-01-27T08:38:22.418" v="1" actId="20577"/>
+      <pc:docMkLst>
+        <pc:docMk/>
+      </pc:docMkLst>
+      <pc:sldChg chg="modSp">
+        <pc:chgData name="Matthieu De Mari" userId="dfb708c9-d8dc-439f-9a3b-c772bf4a311c" providerId="ADAL" clId="{9F696AC1-3591-4A78-8CFC-3B2CB65F546F}" dt="2023-01-27T08:38:22.418" v="1" actId="20577"/>
+        <pc:sldMkLst>
+          <pc:docMk/>
+          <pc:sldMk cId="1641134415" sldId="256"/>
+        </pc:sldMkLst>
+        <pc:spChg chg="mod">
+          <ac:chgData name="Matthieu De Mari" userId="dfb708c9-d8dc-439f-9a3b-c772bf4a311c" providerId="ADAL" clId="{9F696AC1-3591-4A78-8CFC-3B2CB65F546F}" dt="2023-01-27T08:38:22.418" v="1" actId="20577"/>
+          <ac:spMkLst>
+            <pc:docMk/>
+            <pc:sldMk cId="1641134415" sldId="256"/>
+            <ac:spMk id="23" creationId="{CAC05414-2AD2-A15C-E786-DBE3C9760976}"/>
+          </ac:spMkLst>
+        </pc:spChg>
+      </pc:sldChg>
+    </pc:docChg>
+  </pc:docChgLst>
 </pc:chgInfo>
 </file>
 
@@ -1441,7 +1465,7 @@
           <a:p>
             <a:fld id="{A090A5D8-D40D-45B7-B482-7FD296FEC384}" type="datetimeFigureOut">
               <a:rPr lang="en-SG" smtClean="0"/>
-              <a:t>25/1/2023</a:t>
+              <a:t>27/1/2023</a:t>
             </a:fld>
             <a:endParaRPr lang="en-SG"/>
           </a:p>
@@ -1641,7 +1665,7 @@
           <a:p>
             <a:fld id="{A090A5D8-D40D-45B7-B482-7FD296FEC384}" type="datetimeFigureOut">
               <a:rPr lang="en-SG" smtClean="0"/>
-              <a:t>25/1/2023</a:t>
+              <a:t>27/1/2023</a:t>
             </a:fld>
             <a:endParaRPr lang="en-SG"/>
           </a:p>
@@ -1851,7 +1875,7 @@
           <a:p>
             <a:fld id="{A090A5D8-D40D-45B7-B482-7FD296FEC384}" type="datetimeFigureOut">
               <a:rPr lang="en-SG" smtClean="0"/>
-              <a:t>25/1/2023</a:t>
+              <a:t>27/1/2023</a:t>
             </a:fld>
             <a:endParaRPr lang="en-SG"/>
           </a:p>
@@ -2051,7 +2075,7 @@
           <a:p>
             <a:fld id="{A090A5D8-D40D-45B7-B482-7FD296FEC384}" type="datetimeFigureOut">
               <a:rPr lang="en-SG" smtClean="0"/>
-              <a:t>25/1/2023</a:t>
+              <a:t>27/1/2023</a:t>
             </a:fld>
             <a:endParaRPr lang="en-SG"/>
           </a:p>
@@ -2327,7 +2351,7 @@
           <a:p>
             <a:fld id="{A090A5D8-D40D-45B7-B482-7FD296FEC384}" type="datetimeFigureOut">
               <a:rPr lang="en-SG" smtClean="0"/>
-              <a:t>25/1/2023</a:t>
+              <a:t>27/1/2023</a:t>
             </a:fld>
             <a:endParaRPr lang="en-SG"/>
           </a:p>
@@ -2595,7 +2619,7 @@
           <a:p>
             <a:fld id="{A090A5D8-D40D-45B7-B482-7FD296FEC384}" type="datetimeFigureOut">
               <a:rPr lang="en-SG" smtClean="0"/>
-              <a:t>25/1/2023</a:t>
+              <a:t>27/1/2023</a:t>
             </a:fld>
             <a:endParaRPr lang="en-SG"/>
           </a:p>
@@ -3010,7 +3034,7 @@
           <a:p>
             <a:fld id="{A090A5D8-D40D-45B7-B482-7FD296FEC384}" type="datetimeFigureOut">
               <a:rPr lang="en-SG" smtClean="0"/>
-              <a:t>25/1/2023</a:t>
+              <a:t>27/1/2023</a:t>
             </a:fld>
             <a:endParaRPr lang="en-SG"/>
           </a:p>
@@ -3152,7 +3176,7 @@
           <a:p>
             <a:fld id="{A090A5D8-D40D-45B7-B482-7FD296FEC384}" type="datetimeFigureOut">
               <a:rPr lang="en-SG" smtClean="0"/>
-              <a:t>25/1/2023</a:t>
+              <a:t>27/1/2023</a:t>
             </a:fld>
             <a:endParaRPr lang="en-SG"/>
           </a:p>
@@ -3265,7 +3289,7 @@
           <a:p>
             <a:fld id="{A090A5D8-D40D-45B7-B482-7FD296FEC384}" type="datetimeFigureOut">
               <a:rPr lang="en-SG" smtClean="0"/>
-              <a:t>25/1/2023</a:t>
+              <a:t>27/1/2023</a:t>
             </a:fld>
             <a:endParaRPr lang="en-SG"/>
           </a:p>
@@ -3578,7 +3602,7 @@
           <a:p>
             <a:fld id="{A090A5D8-D40D-45B7-B482-7FD296FEC384}" type="datetimeFigureOut">
               <a:rPr lang="en-SG" smtClean="0"/>
-              <a:t>25/1/2023</a:t>
+              <a:t>27/1/2023</a:t>
             </a:fld>
             <a:endParaRPr lang="en-SG"/>
           </a:p>
@@ -3867,7 +3891,7 @@
           <a:p>
             <a:fld id="{A090A5D8-D40D-45B7-B482-7FD296FEC384}" type="datetimeFigureOut">
               <a:rPr lang="en-SG" smtClean="0"/>
-              <a:t>25/1/2023</a:t>
+              <a:t>27/1/2023</a:t>
             </a:fld>
             <a:endParaRPr lang="en-SG"/>
           </a:p>
@@ -4110,7 +4134,7 @@
           <a:p>
             <a:fld id="{A090A5D8-D40D-45B7-B482-7FD296FEC384}" type="datetimeFigureOut">
               <a:rPr lang="en-SG" smtClean="0"/>
-              <a:t>25/1/2023</a:t>
+              <a:t>27/1/2023</a:t>
             </a:fld>
             <a:endParaRPr lang="en-SG"/>
           </a:p>
@@ -5424,8 +5448,8 @@
           </a:fontRef>
         </p:style>
       </p:cxnSp>
-      <mc:AlternateContent xmlns:mc="http://schemas.openxmlformats.org/markup-compatibility/2006" xmlns:a14="http://schemas.microsoft.com/office/drawing/2010/main">
-        <mc:Choice Requires="a14">
+      <mc:AlternateContent xmlns:mc="http://schemas.openxmlformats.org/markup-compatibility/2006">
+        <mc:Choice xmlns:a14="http://schemas.microsoft.com/office/drawing/2010/main" Requires="a14">
           <p:sp>
             <p:nvSpPr>
               <p:cNvPr id="23" name="Oval 22">
@@ -5503,7 +5527,7 @@
                             <a:rPr lang="en-GB" b="0" i="1" smtClean="0">
                               <a:latin typeface="Cambria Math" panose="02040503050406030204" pitchFamily="18" charset="0"/>
                             </a:rPr>
-                            <m:t>1</m:t>
+                            <m:t>𝑖</m:t>
                           </m:r>
                         </m:sub>
                       </m:sSub>
@@ -5515,7 +5539,7 @@
             </p:txBody>
           </p:sp>
         </mc:Choice>
-        <mc:Fallback xmlns="">
+        <mc:Fallback>
           <p:sp>
             <p:nvSpPr>
               <p:cNvPr id="23" name="Oval 22">
@@ -7529,8 +7553,8 @@
           </p:sp>
         </mc:Fallback>
       </mc:AlternateContent>
-      <mc:AlternateContent xmlns:mc="http://schemas.openxmlformats.org/markup-compatibility/2006">
-        <mc:Choice xmlns:a14="http://schemas.microsoft.com/office/drawing/2010/main" Requires="a14">
+      <mc:AlternateContent xmlns:mc="http://schemas.openxmlformats.org/markup-compatibility/2006" xmlns:a14="http://schemas.microsoft.com/office/drawing/2010/main">
+        <mc:Choice Requires="a14">
           <p:sp>
             <p:nvSpPr>
               <p:cNvPr id="40" name="Rectangle: Rounded Corners 39">
@@ -7645,7 +7669,7 @@
             </p:txBody>
           </p:sp>
         </mc:Choice>
-        <mc:Fallback>
+        <mc:Fallback xmlns="">
           <p:sp>
             <p:nvSpPr>
               <p:cNvPr id="40" name="Rectangle: Rounded Corners 39">
@@ -8088,8 +8112,8 @@
           </a:p>
         </p:txBody>
       </p:sp>
-      <mc:AlternateContent xmlns:mc="http://schemas.openxmlformats.org/markup-compatibility/2006">
-        <mc:Choice xmlns:a14="http://schemas.microsoft.com/office/drawing/2010/main" Requires="a14">
+      <mc:AlternateContent xmlns:mc="http://schemas.openxmlformats.org/markup-compatibility/2006" xmlns:a14="http://schemas.microsoft.com/office/drawing/2010/main">
+        <mc:Choice Requires="a14">
           <p:sp>
             <p:nvSpPr>
               <p:cNvPr id="61" name="Rectangle: Rounded Corners 60">
@@ -8229,7 +8253,7 @@
             </p:txBody>
           </p:sp>
         </mc:Choice>
-        <mc:Fallback>
+        <mc:Fallback xmlns="">
           <p:sp>
             <p:nvSpPr>
               <p:cNvPr id="61" name="Rectangle: Rounded Corners 60">
@@ -8283,8 +8307,8 @@
           </p:sp>
         </mc:Fallback>
       </mc:AlternateContent>
-      <mc:AlternateContent xmlns:mc="http://schemas.openxmlformats.org/markup-compatibility/2006">
-        <mc:Choice xmlns:a14="http://schemas.microsoft.com/office/drawing/2010/main" Requires="a14">
+      <mc:AlternateContent xmlns:mc="http://schemas.openxmlformats.org/markup-compatibility/2006" xmlns:a14="http://schemas.microsoft.com/office/drawing/2010/main">
+        <mc:Choice Requires="a14">
           <p:sp>
             <p:nvSpPr>
               <p:cNvPr id="62" name="Rectangle: Rounded Corners 61">
@@ -8424,7 +8448,7 @@
             </p:txBody>
           </p:sp>
         </mc:Choice>
-        <mc:Fallback>
+        <mc:Fallback xmlns="">
           <p:sp>
             <p:nvSpPr>
               <p:cNvPr id="62" name="Rectangle: Rounded Corners 61">

--- a/W1/3. W1S3 final/Code files/Misc/Some_neural_networks_diagrams.pptx
+++ b/W1/3. W1S3 final/Code files/Misc/Some_neural_networks_diagrams.pptx
@@ -117,7 +117,7 @@
 <file path=ppt/revisionInfo.xml><?xml version="1.0" encoding="utf-8"?>
 <p1510:revInfo xmlns:a="http://schemas.openxmlformats.org/drawingml/2006/main" xmlns:r="http://schemas.openxmlformats.org/officeDocument/2006/relationships" xmlns:p1510="http://schemas.microsoft.com/office/powerpoint/2015/10/main">
   <p1510:revLst>
-    <p1510:client id="{9F696AC1-3591-4A78-8CFC-3B2CB65F546F}" v="2" dt="2023-01-27T08:38:22.419"/>
+    <p1510:client id="{9F696AC1-3591-4A78-8CFC-3B2CB65F546F}" v="11" dt="2023-02-01T09:39:59.674"/>
   </p1510:revLst>
 </p1510:revInfo>
 </file>
@@ -1292,7 +1292,7 @@
   <pc:docChgLst>
     <pc:chgData name="Matthieu De Mari" userId="dfb708c9-d8dc-439f-9a3b-c772bf4a311c" providerId="ADAL" clId="{9F696AC1-3591-4A78-8CFC-3B2CB65F546F}"/>
     <pc:docChg chg="modSld">
-      <pc:chgData name="Matthieu De Mari" userId="dfb708c9-d8dc-439f-9a3b-c772bf4a311c" providerId="ADAL" clId="{9F696AC1-3591-4A78-8CFC-3B2CB65F546F}" dt="2023-01-27T08:38:22.418" v="1" actId="20577"/>
+      <pc:chgData name="Matthieu De Mari" userId="dfb708c9-d8dc-439f-9a3b-c772bf4a311c" providerId="ADAL" clId="{9F696AC1-3591-4A78-8CFC-3B2CB65F546F}" dt="2023-02-01T09:39:59.673" v="10" actId="20577"/>
       <pc:docMkLst>
         <pc:docMk/>
       </pc:docMkLst>
@@ -1308,6 +1308,44 @@
             <pc:docMk/>
             <pc:sldMk cId="1641134415" sldId="256"/>
             <ac:spMk id="23" creationId="{CAC05414-2AD2-A15C-E786-DBE3C9760976}"/>
+          </ac:spMkLst>
+        </pc:spChg>
+      </pc:sldChg>
+      <pc:sldChg chg="modSp">
+        <pc:chgData name="Matthieu De Mari" userId="dfb708c9-d8dc-439f-9a3b-c772bf4a311c" providerId="ADAL" clId="{9F696AC1-3591-4A78-8CFC-3B2CB65F546F}" dt="2023-02-01T09:39:59.673" v="10" actId="20577"/>
+        <pc:sldMkLst>
+          <pc:docMk/>
+          <pc:sldMk cId="893198638" sldId="257"/>
+        </pc:sldMkLst>
+        <pc:spChg chg="mod">
+          <ac:chgData name="Matthieu De Mari" userId="dfb708c9-d8dc-439f-9a3b-c772bf4a311c" providerId="ADAL" clId="{9F696AC1-3591-4A78-8CFC-3B2CB65F546F}" dt="2023-02-01T09:39:56.721" v="7" actId="20577"/>
+          <ac:spMkLst>
+            <pc:docMk/>
+            <pc:sldMk cId="893198638" sldId="257"/>
+            <ac:spMk id="61" creationId="{2A14CCD1-4F1A-5203-E634-5770335D5C71}"/>
+          </ac:spMkLst>
+        </pc:spChg>
+        <pc:spChg chg="mod">
+          <ac:chgData name="Matthieu De Mari" userId="dfb708c9-d8dc-439f-9a3b-c772bf4a311c" providerId="ADAL" clId="{9F696AC1-3591-4A78-8CFC-3B2CB65F546F}" dt="2023-02-01T09:39:59.673" v="10" actId="20577"/>
+          <ac:spMkLst>
+            <pc:docMk/>
+            <pc:sldMk cId="893198638" sldId="257"/>
+            <ac:spMk id="79" creationId="{84611FAF-2B8B-78D4-0030-FEA2FD0E9D1E}"/>
+          </ac:spMkLst>
+        </pc:spChg>
+      </pc:sldChg>
+      <pc:sldChg chg="modSp">
+        <pc:chgData name="Matthieu De Mari" userId="dfb708c9-d8dc-439f-9a3b-c772bf4a311c" providerId="ADAL" clId="{9F696AC1-3591-4A78-8CFC-3B2CB65F546F}" dt="2023-02-01T09:39:52.040" v="4" actId="20577"/>
+        <pc:sldMkLst>
+          <pc:docMk/>
+          <pc:sldMk cId="3293759679" sldId="258"/>
+        </pc:sldMkLst>
+        <pc:spChg chg="mod">
+          <ac:chgData name="Matthieu De Mari" userId="dfb708c9-d8dc-439f-9a3b-c772bf4a311c" providerId="ADAL" clId="{9F696AC1-3591-4A78-8CFC-3B2CB65F546F}" dt="2023-02-01T09:39:52.040" v="4" actId="20577"/>
+          <ac:spMkLst>
+            <pc:docMk/>
+            <pc:sldMk cId="3293759679" sldId="258"/>
+            <ac:spMk id="61" creationId="{2A14CCD1-4F1A-5203-E634-5770335D5C71}"/>
           </ac:spMkLst>
         </pc:spChg>
       </pc:sldChg>
@@ -1465,7 +1503,7 @@
           <a:p>
             <a:fld id="{A090A5D8-D40D-45B7-B482-7FD296FEC384}" type="datetimeFigureOut">
               <a:rPr lang="en-SG" smtClean="0"/>
-              <a:t>27/1/2023</a:t>
+              <a:t>1/2/2023</a:t>
             </a:fld>
             <a:endParaRPr lang="en-SG"/>
           </a:p>
@@ -1665,7 +1703,7 @@
           <a:p>
             <a:fld id="{A090A5D8-D40D-45B7-B482-7FD296FEC384}" type="datetimeFigureOut">
               <a:rPr lang="en-SG" smtClean="0"/>
-              <a:t>27/1/2023</a:t>
+              <a:t>1/2/2023</a:t>
             </a:fld>
             <a:endParaRPr lang="en-SG"/>
           </a:p>
@@ -1875,7 +1913,7 @@
           <a:p>
             <a:fld id="{A090A5D8-D40D-45B7-B482-7FD296FEC384}" type="datetimeFigureOut">
               <a:rPr lang="en-SG" smtClean="0"/>
-              <a:t>27/1/2023</a:t>
+              <a:t>1/2/2023</a:t>
             </a:fld>
             <a:endParaRPr lang="en-SG"/>
           </a:p>
@@ -2075,7 +2113,7 @@
           <a:p>
             <a:fld id="{A090A5D8-D40D-45B7-B482-7FD296FEC384}" type="datetimeFigureOut">
               <a:rPr lang="en-SG" smtClean="0"/>
-              <a:t>27/1/2023</a:t>
+              <a:t>1/2/2023</a:t>
             </a:fld>
             <a:endParaRPr lang="en-SG"/>
           </a:p>
@@ -2351,7 +2389,7 @@
           <a:p>
             <a:fld id="{A090A5D8-D40D-45B7-B482-7FD296FEC384}" type="datetimeFigureOut">
               <a:rPr lang="en-SG" smtClean="0"/>
-              <a:t>27/1/2023</a:t>
+              <a:t>1/2/2023</a:t>
             </a:fld>
             <a:endParaRPr lang="en-SG"/>
           </a:p>
@@ -2619,7 +2657,7 @@
           <a:p>
             <a:fld id="{A090A5D8-D40D-45B7-B482-7FD296FEC384}" type="datetimeFigureOut">
               <a:rPr lang="en-SG" smtClean="0"/>
-              <a:t>27/1/2023</a:t>
+              <a:t>1/2/2023</a:t>
             </a:fld>
             <a:endParaRPr lang="en-SG"/>
           </a:p>
@@ -3034,7 +3072,7 @@
           <a:p>
             <a:fld id="{A090A5D8-D40D-45B7-B482-7FD296FEC384}" type="datetimeFigureOut">
               <a:rPr lang="en-SG" smtClean="0"/>
-              <a:t>27/1/2023</a:t>
+              <a:t>1/2/2023</a:t>
             </a:fld>
             <a:endParaRPr lang="en-SG"/>
           </a:p>
@@ -3176,7 +3214,7 @@
           <a:p>
             <a:fld id="{A090A5D8-D40D-45B7-B482-7FD296FEC384}" type="datetimeFigureOut">
               <a:rPr lang="en-SG" smtClean="0"/>
-              <a:t>27/1/2023</a:t>
+              <a:t>1/2/2023</a:t>
             </a:fld>
             <a:endParaRPr lang="en-SG"/>
           </a:p>
@@ -3289,7 +3327,7 @@
           <a:p>
             <a:fld id="{A090A5D8-D40D-45B7-B482-7FD296FEC384}" type="datetimeFigureOut">
               <a:rPr lang="en-SG" smtClean="0"/>
-              <a:t>27/1/2023</a:t>
+              <a:t>1/2/2023</a:t>
             </a:fld>
             <a:endParaRPr lang="en-SG"/>
           </a:p>
@@ -3602,7 +3640,7 @@
           <a:p>
             <a:fld id="{A090A5D8-D40D-45B7-B482-7FD296FEC384}" type="datetimeFigureOut">
               <a:rPr lang="en-SG" smtClean="0"/>
-              <a:t>27/1/2023</a:t>
+              <a:t>1/2/2023</a:t>
             </a:fld>
             <a:endParaRPr lang="en-SG"/>
           </a:p>
@@ -3891,7 +3929,7 @@
           <a:p>
             <a:fld id="{A090A5D8-D40D-45B7-B482-7FD296FEC384}" type="datetimeFigureOut">
               <a:rPr lang="en-SG" smtClean="0"/>
-              <a:t>27/1/2023</a:t>
+              <a:t>1/2/2023</a:t>
             </a:fld>
             <a:endParaRPr lang="en-SG"/>
           </a:p>
@@ -4134,7 +4172,7 @@
           <a:p>
             <a:fld id="{A090A5D8-D40D-45B7-B482-7FD296FEC384}" type="datetimeFigureOut">
               <a:rPr lang="en-SG" smtClean="0"/>
-              <a:t>27/1/2023</a:t>
+              <a:t>1/2/2023</a:t>
             </a:fld>
             <a:endParaRPr lang="en-SG"/>
           </a:p>
@@ -5448,8 +5486,8 @@
           </a:fontRef>
         </p:style>
       </p:cxnSp>
-      <mc:AlternateContent xmlns:mc="http://schemas.openxmlformats.org/markup-compatibility/2006">
-        <mc:Choice xmlns:a14="http://schemas.microsoft.com/office/drawing/2010/main" Requires="a14">
+      <mc:AlternateContent xmlns:mc="http://schemas.openxmlformats.org/markup-compatibility/2006" xmlns:a14="http://schemas.microsoft.com/office/drawing/2010/main">
+        <mc:Choice Requires="a14">
           <p:sp>
             <p:nvSpPr>
               <p:cNvPr id="23" name="Oval 22">
@@ -5539,7 +5577,7 @@
             </p:txBody>
           </p:sp>
         </mc:Choice>
-        <mc:Fallback>
+        <mc:Fallback xmlns="">
           <p:sp>
             <p:nvSpPr>
               <p:cNvPr id="23" name="Oval 22">
@@ -8112,8 +8150,8 @@
           </a:p>
         </p:txBody>
       </p:sp>
-      <mc:AlternateContent xmlns:mc="http://schemas.openxmlformats.org/markup-compatibility/2006" xmlns:a14="http://schemas.microsoft.com/office/drawing/2010/main">
-        <mc:Choice Requires="a14">
+      <mc:AlternateContent xmlns:mc="http://schemas.openxmlformats.org/markup-compatibility/2006">
+        <mc:Choice xmlns:a14="http://schemas.microsoft.com/office/drawing/2010/main" Requires="a14">
           <p:sp>
             <p:nvSpPr>
               <p:cNvPr id="61" name="Rectangle: Rounded Corners 60">
@@ -8187,31 +8225,12 @@
                           </m:r>
                         </m:e>
                         <m:sub>
-                          <m:sSub>
-                            <m:sSubPr>
-                              <m:ctrlPr>
-                                <a:rPr lang="en-GB" b="0" i="1" smtClean="0">
-                                  <a:latin typeface="Cambria Math" panose="02040503050406030204" pitchFamily="18" charset="0"/>
-                                </a:rPr>
-                              </m:ctrlPr>
-                            </m:sSubPr>
-                            <m:e>
-                              <m:r>
-                                <a:rPr lang="en-GB" b="0" i="1" smtClean="0">
-                                  <a:latin typeface="Cambria Math" panose="02040503050406030204" pitchFamily="18" charset="0"/>
-                                </a:rPr>
-                                <m:t>𝑁</m:t>
-                              </m:r>
-                            </m:e>
-                            <m:sub>
-                              <m:r>
-                                <a:rPr lang="en-GB" b="0" i="1" smtClean="0">
-                                  <a:latin typeface="Cambria Math" panose="02040503050406030204" pitchFamily="18" charset="0"/>
-                                </a:rPr>
-                                <m:t>𝑥</m:t>
-                              </m:r>
-                            </m:sub>
-                          </m:sSub>
+                          <m:r>
+                            <a:rPr lang="en-GB" b="0" i="1" smtClean="0">
+                              <a:latin typeface="Cambria Math" panose="02040503050406030204" pitchFamily="18" charset="0"/>
+                            </a:rPr>
+                            <m:t>1</m:t>
+                          </m:r>
                           <m:r>
                             <a:rPr lang="en-GB" b="0" i="1" smtClean="0">
                               <a:latin typeface="Cambria Math" panose="02040503050406030204" pitchFamily="18" charset="0"/>
@@ -8253,7 +8272,7 @@
             </p:txBody>
           </p:sp>
         </mc:Choice>
-        <mc:Fallback xmlns="">
+        <mc:Fallback>
           <p:sp>
             <p:nvSpPr>
               <p:cNvPr id="61" name="Rectangle: Rounded Corners 60">
@@ -8279,7 +8298,7 @@
               <a:blipFill>
                 <a:blip r:embed="rId7"/>
                 <a:stretch>
-                  <a:fillRect l="-769"/>
+                  <a:fillRect/>
                 </a:stretch>
               </a:blipFill>
               <a:ln w="38100" cap="flat" cmpd="sng" algn="ctr">
@@ -11505,8 +11524,8 @@
           </a:p>
         </p:txBody>
       </p:sp>
-      <mc:AlternateContent xmlns:mc="http://schemas.openxmlformats.org/markup-compatibility/2006" xmlns:a14="http://schemas.microsoft.com/office/drawing/2010/main">
-        <mc:Choice Requires="a14">
+      <mc:AlternateContent xmlns:mc="http://schemas.openxmlformats.org/markup-compatibility/2006">
+        <mc:Choice xmlns:a14="http://schemas.microsoft.com/office/drawing/2010/main" Requires="a14">
           <p:sp>
             <p:nvSpPr>
               <p:cNvPr id="61" name="Rectangle: Rounded Corners 60">
@@ -11580,31 +11599,12 @@
                           </m:r>
                         </m:e>
                         <m:sub>
-                          <m:sSub>
-                            <m:sSubPr>
-                              <m:ctrlPr>
-                                <a:rPr lang="en-GB" b="0" i="1" smtClean="0">
-                                  <a:latin typeface="Cambria Math" panose="02040503050406030204" pitchFamily="18" charset="0"/>
-                                </a:rPr>
-                              </m:ctrlPr>
-                            </m:sSubPr>
-                            <m:e>
-                              <m:r>
-                                <a:rPr lang="en-GB" b="0" i="1" smtClean="0">
-                                  <a:latin typeface="Cambria Math" panose="02040503050406030204" pitchFamily="18" charset="0"/>
-                                </a:rPr>
-                                <m:t>𝑁</m:t>
-                              </m:r>
-                            </m:e>
-                            <m:sub>
-                              <m:r>
-                                <a:rPr lang="en-GB" b="0" i="1" smtClean="0">
-                                  <a:latin typeface="Cambria Math" panose="02040503050406030204" pitchFamily="18" charset="0"/>
-                                </a:rPr>
-                                <m:t>𝑥</m:t>
-                              </m:r>
-                            </m:sub>
-                          </m:sSub>
+                          <m:r>
+                            <a:rPr lang="en-GB" b="0" i="1" smtClean="0">
+                              <a:latin typeface="Cambria Math" panose="02040503050406030204" pitchFamily="18" charset="0"/>
+                            </a:rPr>
+                            <m:t>1</m:t>
+                          </m:r>
                           <m:r>
                             <a:rPr lang="en-GB" b="0" i="1" smtClean="0">
                               <a:latin typeface="Cambria Math" panose="02040503050406030204" pitchFamily="18" charset="0"/>
@@ -11646,7 +11646,7 @@
             </p:txBody>
           </p:sp>
         </mc:Choice>
-        <mc:Fallback xmlns="">
+        <mc:Fallback>
           <p:sp>
             <p:nvSpPr>
               <p:cNvPr id="61" name="Rectangle: Rounded Corners 60">
@@ -11672,7 +11672,7 @@
               <a:blipFill>
                 <a:blip r:embed="rId9"/>
                 <a:stretch>
-                  <a:fillRect l="-1538"/>
+                  <a:fillRect/>
                 </a:stretch>
               </a:blipFill>
               <a:ln w="38100" cap="flat" cmpd="sng" algn="ctr">
@@ -12762,8 +12762,8 @@
           </a:p>
         </p:txBody>
       </p:sp>
-      <mc:AlternateContent xmlns:mc="http://schemas.openxmlformats.org/markup-compatibility/2006" xmlns:a14="http://schemas.microsoft.com/office/drawing/2010/main">
-        <mc:Choice Requires="a14">
+      <mc:AlternateContent xmlns:mc="http://schemas.openxmlformats.org/markup-compatibility/2006">
+        <mc:Choice xmlns:a14="http://schemas.microsoft.com/office/drawing/2010/main" Requires="a14">
           <p:sp>
             <p:nvSpPr>
               <p:cNvPr id="79" name="Rectangle: Rounded Corners 78">
@@ -12837,31 +12837,12 @@
                           </m:r>
                         </m:e>
                         <m:sub>
-                          <m:sSub>
-                            <m:sSubPr>
-                              <m:ctrlPr>
-                                <a:rPr lang="en-GB" b="0" i="1" smtClean="0">
-                                  <a:latin typeface="Cambria Math" panose="02040503050406030204" pitchFamily="18" charset="0"/>
-                                </a:rPr>
-                              </m:ctrlPr>
-                            </m:sSubPr>
-                            <m:e>
-                              <m:r>
-                                <a:rPr lang="en-GB" b="0" i="1" smtClean="0">
-                                  <a:latin typeface="Cambria Math" panose="02040503050406030204" pitchFamily="18" charset="0"/>
-                                </a:rPr>
-                                <m:t>𝑁</m:t>
-                              </m:r>
-                            </m:e>
-                            <m:sub>
-                              <m:r>
-                                <a:rPr lang="en-GB" b="0" i="1" smtClean="0">
-                                  <a:latin typeface="Cambria Math" panose="02040503050406030204" pitchFamily="18" charset="0"/>
-                                </a:rPr>
-                                <m:t>h</m:t>
-                              </m:r>
-                            </m:sub>
-                          </m:sSub>
+                          <m:r>
+                            <a:rPr lang="en-GB" b="0" i="1" smtClean="0">
+                              <a:latin typeface="Cambria Math" panose="02040503050406030204" pitchFamily="18" charset="0"/>
+                            </a:rPr>
+                            <m:t>1</m:t>
+                          </m:r>
                           <m:r>
                             <a:rPr lang="en-GB" b="0" i="1" smtClean="0">
                               <a:latin typeface="Cambria Math" panose="02040503050406030204" pitchFamily="18" charset="0"/>
@@ -12903,7 +12884,7 @@
             </p:txBody>
           </p:sp>
         </mc:Choice>
-        <mc:Fallback xmlns="">
+        <mc:Fallback>
           <p:sp>
             <p:nvSpPr>
               <p:cNvPr id="79" name="Rectangle: Rounded Corners 78">
@@ -12929,7 +12910,7 @@
               <a:blipFill>
                 <a:blip r:embed="rId14"/>
                 <a:stretch>
-                  <a:fillRect l="-2308"/>
+                  <a:fillRect/>
                 </a:stretch>
               </a:blipFill>
               <a:ln w="38100" cap="flat" cmpd="sng" algn="ctr">

--- a/W1/3. W1S3 final/Code files/Misc/Some_neural_networks_diagrams.pptx
+++ b/W1/3. W1S3 final/Code files/Misc/Some_neural_networks_diagrams.pptx
@@ -117,7 +117,7 @@
 <file path=ppt/revisionInfo.xml><?xml version="1.0" encoding="utf-8"?>
 <p1510:revInfo xmlns:a="http://schemas.openxmlformats.org/drawingml/2006/main" xmlns:r="http://schemas.openxmlformats.org/officeDocument/2006/relationships" xmlns:p1510="http://schemas.microsoft.com/office/powerpoint/2015/10/main">
   <p1510:revLst>
-    <p1510:client id="{9F696AC1-3591-4A78-8CFC-3B2CB65F546F}" v="11" dt="2023-02-01T09:39:59.674"/>
+    <p1510:client id="{355A6C59-056A-46E9-9008-5B64EBB63F27}" v="32" dt="2024-01-26T06:22:10.442"/>
   </p1510:revLst>
 </p1510:revInfo>
 </file>
@@ -1287,6 +1287,109 @@
           </ac:spMkLst>
         </pc:spChg>
       </pc:sldMasterChg>
+    </pc:docChg>
+  </pc:docChgLst>
+  <pc:docChgLst>
+    <pc:chgData name="Matthieu De Mari" userId="dfb708c9-d8dc-439f-9a3b-c772bf4a311c" providerId="ADAL" clId="{355A6C59-056A-46E9-9008-5B64EBB63F27}"/>
+    <pc:docChg chg="modSld">
+      <pc:chgData name="Matthieu De Mari" userId="dfb708c9-d8dc-439f-9a3b-c772bf4a311c" providerId="ADAL" clId="{355A6C59-056A-46E9-9008-5B64EBB63F27}" dt="2024-01-26T06:22:10.442" v="31" actId="20577"/>
+      <pc:docMkLst>
+        <pc:docMk/>
+      </pc:docMkLst>
+      <pc:sldChg chg="modSp">
+        <pc:chgData name="Matthieu De Mari" userId="dfb708c9-d8dc-439f-9a3b-c772bf4a311c" providerId="ADAL" clId="{355A6C59-056A-46E9-9008-5B64EBB63F27}" dt="2024-01-26T06:22:10.442" v="31" actId="20577"/>
+        <pc:sldMkLst>
+          <pc:docMk/>
+          <pc:sldMk cId="893198638" sldId="257"/>
+        </pc:sldMkLst>
+        <pc:spChg chg="mod">
+          <ac:chgData name="Matthieu De Mari" userId="dfb708c9-d8dc-439f-9a3b-c772bf4a311c" providerId="ADAL" clId="{355A6C59-056A-46E9-9008-5B64EBB63F27}" dt="2024-01-26T06:21:55.526" v="15" actId="20577"/>
+          <ac:spMkLst>
+            <pc:docMk/>
+            <pc:sldMk cId="893198638" sldId="257"/>
+            <ac:spMk id="39" creationId="{AC8BF3AB-62AD-39C3-9A47-9D1A4A51EA3A}"/>
+          </ac:spMkLst>
+        </pc:spChg>
+        <pc:spChg chg="mod">
+          <ac:chgData name="Matthieu De Mari" userId="dfb708c9-d8dc-439f-9a3b-c772bf4a311c" providerId="ADAL" clId="{355A6C59-056A-46E9-9008-5B64EBB63F27}" dt="2024-01-26T06:21:57.300" v="17" actId="20577"/>
+          <ac:spMkLst>
+            <pc:docMk/>
+            <pc:sldMk cId="893198638" sldId="257"/>
+            <ac:spMk id="40" creationId="{726542F6-6D27-24BD-EC9D-6DFE86DDC5F3}"/>
+          </ac:spMkLst>
+        </pc:spChg>
+        <pc:spChg chg="mod">
+          <ac:chgData name="Matthieu De Mari" userId="dfb708c9-d8dc-439f-9a3b-c772bf4a311c" providerId="ADAL" clId="{355A6C59-056A-46E9-9008-5B64EBB63F27}" dt="2024-01-26T06:21:59.647" v="19" actId="20577"/>
+          <ac:spMkLst>
+            <pc:docMk/>
+            <pc:sldMk cId="893198638" sldId="257"/>
+            <ac:spMk id="53" creationId="{631F62D5-9EB5-FC06-EB5D-B46D42091F11}"/>
+          </ac:spMkLst>
+        </pc:spChg>
+        <pc:spChg chg="mod">
+          <ac:chgData name="Matthieu De Mari" userId="dfb708c9-d8dc-439f-9a3b-c772bf4a311c" providerId="ADAL" clId="{355A6C59-056A-46E9-9008-5B64EBB63F27}" dt="2024-01-26T06:22:03.825" v="27" actId="20577"/>
+          <ac:spMkLst>
+            <pc:docMk/>
+            <pc:sldMk cId="893198638" sldId="257"/>
+            <ac:spMk id="54" creationId="{9D24F224-33B0-614E-6CFF-DBF1B2F129D0}"/>
+          </ac:spMkLst>
+        </pc:spChg>
+        <pc:spChg chg="mod">
+          <ac:chgData name="Matthieu De Mari" userId="dfb708c9-d8dc-439f-9a3b-c772bf4a311c" providerId="ADAL" clId="{355A6C59-056A-46E9-9008-5B64EBB63F27}" dt="2024-01-26T06:22:10.442" v="31" actId="20577"/>
+          <ac:spMkLst>
+            <pc:docMk/>
+            <pc:sldMk cId="893198638" sldId="257"/>
+            <ac:spMk id="91" creationId="{7D02FC49-E18E-08A4-D549-8DCB313DC021}"/>
+          </ac:spMkLst>
+        </pc:spChg>
+        <pc:spChg chg="mod">
+          <ac:chgData name="Matthieu De Mari" userId="dfb708c9-d8dc-439f-9a3b-c772bf4a311c" providerId="ADAL" clId="{355A6C59-056A-46E9-9008-5B64EBB63F27}" dt="2024-01-26T06:22:07.381" v="29" actId="20577"/>
+          <ac:spMkLst>
+            <pc:docMk/>
+            <pc:sldMk cId="893198638" sldId="257"/>
+            <ac:spMk id="93" creationId="{F802A56A-C4E4-C672-9216-2BA3B74C6463}"/>
+          </ac:spMkLst>
+        </pc:spChg>
+      </pc:sldChg>
+      <pc:sldChg chg="modSp">
+        <pc:chgData name="Matthieu De Mari" userId="dfb708c9-d8dc-439f-9a3b-c772bf4a311c" providerId="ADAL" clId="{355A6C59-056A-46E9-9008-5B64EBB63F27}" dt="2024-01-26T06:21:51.136" v="13" actId="20577"/>
+        <pc:sldMkLst>
+          <pc:docMk/>
+          <pc:sldMk cId="3293759679" sldId="258"/>
+        </pc:sldMkLst>
+        <pc:spChg chg="mod">
+          <ac:chgData name="Matthieu De Mari" userId="dfb708c9-d8dc-439f-9a3b-c772bf4a311c" providerId="ADAL" clId="{355A6C59-056A-46E9-9008-5B64EBB63F27}" dt="2024-01-26T06:21:42.154" v="1" actId="20577"/>
+          <ac:spMkLst>
+            <pc:docMk/>
+            <pc:sldMk cId="3293759679" sldId="258"/>
+            <ac:spMk id="39" creationId="{AC8BF3AB-62AD-39C3-9A47-9D1A4A51EA3A}"/>
+          </ac:spMkLst>
+        </pc:spChg>
+        <pc:spChg chg="mod">
+          <ac:chgData name="Matthieu De Mari" userId="dfb708c9-d8dc-439f-9a3b-c772bf4a311c" providerId="ADAL" clId="{355A6C59-056A-46E9-9008-5B64EBB63F27}" dt="2024-01-26T06:21:44.945" v="3" actId="20577"/>
+          <ac:spMkLst>
+            <pc:docMk/>
+            <pc:sldMk cId="3293759679" sldId="258"/>
+            <ac:spMk id="40" creationId="{726542F6-6D27-24BD-EC9D-6DFE86DDC5F3}"/>
+          </ac:spMkLst>
+        </pc:spChg>
+        <pc:spChg chg="mod">
+          <ac:chgData name="Matthieu De Mari" userId="dfb708c9-d8dc-439f-9a3b-c772bf4a311c" providerId="ADAL" clId="{355A6C59-056A-46E9-9008-5B64EBB63F27}" dt="2024-01-26T06:21:51.136" v="13" actId="20577"/>
+          <ac:spMkLst>
+            <pc:docMk/>
+            <pc:sldMk cId="3293759679" sldId="258"/>
+            <ac:spMk id="91" creationId="{7D02FC49-E18E-08A4-D549-8DCB313DC021}"/>
+          </ac:spMkLst>
+        </pc:spChg>
+        <pc:spChg chg="mod">
+          <ac:chgData name="Matthieu De Mari" userId="dfb708c9-d8dc-439f-9a3b-c772bf4a311c" providerId="ADAL" clId="{355A6C59-056A-46E9-9008-5B64EBB63F27}" dt="2024-01-26T06:21:46.812" v="5" actId="20577"/>
+          <ac:spMkLst>
+            <pc:docMk/>
+            <pc:sldMk cId="3293759679" sldId="258"/>
+            <ac:spMk id="93" creationId="{F802A56A-C4E4-C672-9216-2BA3B74C6463}"/>
+          </ac:spMkLst>
+        </pc:spChg>
+      </pc:sldChg>
     </pc:docChg>
   </pc:docChgLst>
   <pc:docChgLst>
@@ -1503,7 +1606,7 @@
           <a:p>
             <a:fld id="{A090A5D8-D40D-45B7-B482-7FD296FEC384}" type="datetimeFigureOut">
               <a:rPr lang="en-SG" smtClean="0"/>
-              <a:t>1/2/2023</a:t>
+              <a:t>26/1/2024</a:t>
             </a:fld>
             <a:endParaRPr lang="en-SG"/>
           </a:p>
@@ -1703,7 +1806,7 @@
           <a:p>
             <a:fld id="{A090A5D8-D40D-45B7-B482-7FD296FEC384}" type="datetimeFigureOut">
               <a:rPr lang="en-SG" smtClean="0"/>
-              <a:t>1/2/2023</a:t>
+              <a:t>26/1/2024</a:t>
             </a:fld>
             <a:endParaRPr lang="en-SG"/>
           </a:p>
@@ -1913,7 +2016,7 @@
           <a:p>
             <a:fld id="{A090A5D8-D40D-45B7-B482-7FD296FEC384}" type="datetimeFigureOut">
               <a:rPr lang="en-SG" smtClean="0"/>
-              <a:t>1/2/2023</a:t>
+              <a:t>26/1/2024</a:t>
             </a:fld>
             <a:endParaRPr lang="en-SG"/>
           </a:p>
@@ -2113,7 +2216,7 @@
           <a:p>
             <a:fld id="{A090A5D8-D40D-45B7-B482-7FD296FEC384}" type="datetimeFigureOut">
               <a:rPr lang="en-SG" smtClean="0"/>
-              <a:t>1/2/2023</a:t>
+              <a:t>26/1/2024</a:t>
             </a:fld>
             <a:endParaRPr lang="en-SG"/>
           </a:p>
@@ -2389,7 +2492,7 @@
           <a:p>
             <a:fld id="{A090A5D8-D40D-45B7-B482-7FD296FEC384}" type="datetimeFigureOut">
               <a:rPr lang="en-SG" smtClean="0"/>
-              <a:t>1/2/2023</a:t>
+              <a:t>26/1/2024</a:t>
             </a:fld>
             <a:endParaRPr lang="en-SG"/>
           </a:p>
@@ -2657,7 +2760,7 @@
           <a:p>
             <a:fld id="{A090A5D8-D40D-45B7-B482-7FD296FEC384}" type="datetimeFigureOut">
               <a:rPr lang="en-SG" smtClean="0"/>
-              <a:t>1/2/2023</a:t>
+              <a:t>26/1/2024</a:t>
             </a:fld>
             <a:endParaRPr lang="en-SG"/>
           </a:p>
@@ -3072,7 +3175,7 @@
           <a:p>
             <a:fld id="{A090A5D8-D40D-45B7-B482-7FD296FEC384}" type="datetimeFigureOut">
               <a:rPr lang="en-SG" smtClean="0"/>
-              <a:t>1/2/2023</a:t>
+              <a:t>26/1/2024</a:t>
             </a:fld>
             <a:endParaRPr lang="en-SG"/>
           </a:p>
@@ -3214,7 +3317,7 @@
           <a:p>
             <a:fld id="{A090A5D8-D40D-45B7-B482-7FD296FEC384}" type="datetimeFigureOut">
               <a:rPr lang="en-SG" smtClean="0"/>
-              <a:t>1/2/2023</a:t>
+              <a:t>26/1/2024</a:t>
             </a:fld>
             <a:endParaRPr lang="en-SG"/>
           </a:p>
@@ -3327,7 +3430,7 @@
           <a:p>
             <a:fld id="{A090A5D8-D40D-45B7-B482-7FD296FEC384}" type="datetimeFigureOut">
               <a:rPr lang="en-SG" smtClean="0"/>
-              <a:t>1/2/2023</a:t>
+              <a:t>26/1/2024</a:t>
             </a:fld>
             <a:endParaRPr lang="en-SG"/>
           </a:p>
@@ -3640,7 +3743,7 @@
           <a:p>
             <a:fld id="{A090A5D8-D40D-45B7-B482-7FD296FEC384}" type="datetimeFigureOut">
               <a:rPr lang="en-SG" smtClean="0"/>
-              <a:t>1/2/2023</a:t>
+              <a:t>26/1/2024</a:t>
             </a:fld>
             <a:endParaRPr lang="en-SG"/>
           </a:p>
@@ -3929,7 +4032,7 @@
           <a:p>
             <a:fld id="{A090A5D8-D40D-45B7-B482-7FD296FEC384}" type="datetimeFigureOut">
               <a:rPr lang="en-SG" smtClean="0"/>
-              <a:t>1/2/2023</a:t>
+              <a:t>26/1/2024</a:t>
             </a:fld>
             <a:endParaRPr lang="en-SG"/>
           </a:p>
@@ -4172,7 +4275,7 @@
           <a:p>
             <a:fld id="{A090A5D8-D40D-45B7-B482-7FD296FEC384}" type="datetimeFigureOut">
               <a:rPr lang="en-SG" smtClean="0"/>
-              <a:t>1/2/2023</a:t>
+              <a:t>26/1/2024</a:t>
             </a:fld>
             <a:endParaRPr lang="en-SG"/>
           </a:p>
@@ -7446,8 +7549,8 @@
           </a:fontRef>
         </p:style>
       </p:cxnSp>
-      <mc:AlternateContent xmlns:mc="http://schemas.openxmlformats.org/markup-compatibility/2006" xmlns:a14="http://schemas.microsoft.com/office/drawing/2010/main">
-        <mc:Choice Requires="a14">
+      <mc:AlternateContent xmlns:mc="http://schemas.openxmlformats.org/markup-compatibility/2006">
+        <mc:Choice xmlns:a14="http://schemas.microsoft.com/office/drawing/2010/main" Requires="a14">
           <p:sp>
             <p:nvSpPr>
               <p:cNvPr id="39" name="Rectangle: Rounded Corners 38">
@@ -7525,7 +7628,7 @@
                             <a:rPr lang="en-GB" b="0" i="1" smtClean="0">
                               <a:latin typeface="Cambria Math" panose="02040503050406030204" pitchFamily="18" charset="0"/>
                             </a:rPr>
-                            <m:t>1,1</m:t>
+                            <m:t>1</m:t>
                           </m:r>
                         </m:sub>
                       </m:sSub>
@@ -7537,7 +7640,7 @@
             </p:txBody>
           </p:sp>
         </mc:Choice>
-        <mc:Fallback xmlns="">
+        <mc:Fallback>
           <p:sp>
             <p:nvSpPr>
               <p:cNvPr id="39" name="Rectangle: Rounded Corners 38">
@@ -7581,7 +7684,7 @@
               <a:lstStyle/>
               <a:p>
                 <a:r>
-                  <a:rPr lang="en-SG">
+                  <a:rPr lang="en-GB">
                     <a:noFill/>
                   </a:rPr>
                   <a:t> </a:t>
@@ -7591,8 +7694,8 @@
           </p:sp>
         </mc:Fallback>
       </mc:AlternateContent>
-      <mc:AlternateContent xmlns:mc="http://schemas.openxmlformats.org/markup-compatibility/2006" xmlns:a14="http://schemas.microsoft.com/office/drawing/2010/main">
-        <mc:Choice Requires="a14">
+      <mc:AlternateContent xmlns:mc="http://schemas.openxmlformats.org/markup-compatibility/2006">
+        <mc:Choice xmlns:a14="http://schemas.microsoft.com/office/drawing/2010/main" Requires="a14">
           <p:sp>
             <p:nvSpPr>
               <p:cNvPr id="40" name="Rectangle: Rounded Corners 39">
@@ -7666,12 +7769,6 @@
                           </m:r>
                         </m:e>
                         <m:sub>
-                          <m:r>
-                            <a:rPr lang="en-GB" b="0" i="1" smtClean="0">
-                              <a:latin typeface="Cambria Math" panose="02040503050406030204" pitchFamily="18" charset="0"/>
-                            </a:rPr>
-                            <m:t>1,</m:t>
-                          </m:r>
                           <m:sSub>
                             <m:sSubPr>
                               <m:ctrlPr>
@@ -7707,7 +7804,7 @@
             </p:txBody>
           </p:sp>
         </mc:Choice>
-        <mc:Fallback xmlns="">
+        <mc:Fallback>
           <p:sp>
             <p:nvSpPr>
               <p:cNvPr id="40" name="Rectangle: Rounded Corners 39">
@@ -7751,7 +7848,7 @@
               <a:lstStyle/>
               <a:p>
                 <a:r>
-                  <a:rPr lang="en-SG">
+                  <a:rPr lang="en-GB">
                     <a:noFill/>
                   </a:rPr>
                   <a:t> </a:t>
@@ -8150,8 +8247,8 @@
           </a:p>
         </p:txBody>
       </p:sp>
-      <mc:AlternateContent xmlns:mc="http://schemas.openxmlformats.org/markup-compatibility/2006">
-        <mc:Choice xmlns:a14="http://schemas.microsoft.com/office/drawing/2010/main" Requires="a14">
+      <mc:AlternateContent xmlns:mc="http://schemas.openxmlformats.org/markup-compatibility/2006" xmlns:a14="http://schemas.microsoft.com/office/drawing/2010/main">
+        <mc:Choice Requires="a14">
           <p:sp>
             <p:nvSpPr>
               <p:cNvPr id="61" name="Rectangle: Rounded Corners 60">
@@ -8229,13 +8326,7 @@
                             <a:rPr lang="en-GB" b="0" i="1" smtClean="0">
                               <a:latin typeface="Cambria Math" panose="02040503050406030204" pitchFamily="18" charset="0"/>
                             </a:rPr>
-                            <m:t>1</m:t>
-                          </m:r>
-                          <m:r>
-                            <a:rPr lang="en-GB" b="0" i="1" smtClean="0">
-                              <a:latin typeface="Cambria Math" panose="02040503050406030204" pitchFamily="18" charset="0"/>
-                            </a:rPr>
-                            <m:t>,</m:t>
+                            <m:t>1,</m:t>
                           </m:r>
                           <m:sSub>
                             <m:sSubPr>
@@ -8272,7 +8363,7 @@
             </p:txBody>
           </p:sp>
         </mc:Choice>
-        <mc:Fallback>
+        <mc:Fallback xmlns="">
           <p:sp>
             <p:nvSpPr>
               <p:cNvPr id="61" name="Rectangle: Rounded Corners 60">
@@ -8632,8 +8723,8 @@
           </a:p>
         </p:txBody>
       </p:sp>
-      <mc:AlternateContent xmlns:mc="http://schemas.openxmlformats.org/markup-compatibility/2006" xmlns:a14="http://schemas.microsoft.com/office/drawing/2010/main">
-        <mc:Choice Requires="a14">
+      <mc:AlternateContent xmlns:mc="http://schemas.openxmlformats.org/markup-compatibility/2006">
+        <mc:Choice xmlns:a14="http://schemas.microsoft.com/office/drawing/2010/main" Requires="a14">
           <p:sp>
             <p:nvSpPr>
               <p:cNvPr id="91" name="Rectangle: Rounded Corners 90">
@@ -8707,12 +8798,6 @@
                           </m:r>
                         </m:e>
                         <m:sub>
-                          <m:r>
-                            <a:rPr lang="en-GB" b="0" i="1" smtClean="0">
-                              <a:latin typeface="Cambria Math" panose="02040503050406030204" pitchFamily="18" charset="0"/>
-                            </a:rPr>
-                            <m:t>1,</m:t>
-                          </m:r>
                           <m:sSub>
                             <m:sSubPr>
                               <m:ctrlPr>
@@ -8738,6 +8823,12 @@
                               </m:r>
                             </m:sub>
                           </m:sSub>
+                          <m:r>
+                            <a:rPr lang="en-GB" b="0" i="1" smtClean="0">
+                              <a:latin typeface="Cambria Math" panose="02040503050406030204" pitchFamily="18" charset="0"/>
+                            </a:rPr>
+                            <m:t> </m:t>
+                          </m:r>
                         </m:sub>
                       </m:sSub>
                     </m:oMath>
@@ -8748,7 +8839,7 @@
             </p:txBody>
           </p:sp>
         </mc:Choice>
-        <mc:Fallback xmlns="">
+        <mc:Fallback>
           <p:sp>
             <p:nvSpPr>
               <p:cNvPr id="91" name="Rectangle: Rounded Corners 90">
@@ -8792,7 +8883,7 @@
               <a:lstStyle/>
               <a:p>
                 <a:r>
-                  <a:rPr lang="en-SG">
+                  <a:rPr lang="en-GB">
                     <a:noFill/>
                   </a:rPr>
                   <a:t> </a:t>
@@ -8839,8 +8930,8 @@
           </a:p>
         </p:txBody>
       </p:sp>
-      <mc:AlternateContent xmlns:mc="http://schemas.openxmlformats.org/markup-compatibility/2006" xmlns:a14="http://schemas.microsoft.com/office/drawing/2010/main">
-        <mc:Choice Requires="a14">
+      <mc:AlternateContent xmlns:mc="http://schemas.openxmlformats.org/markup-compatibility/2006">
+        <mc:Choice xmlns:a14="http://schemas.microsoft.com/office/drawing/2010/main" Requires="a14">
           <p:sp>
             <p:nvSpPr>
               <p:cNvPr id="93" name="Rectangle: Rounded Corners 92">
@@ -8918,7 +9009,7 @@
                             <a:rPr lang="en-GB" b="0" i="1" smtClean="0">
                               <a:latin typeface="Cambria Math" panose="02040503050406030204" pitchFamily="18" charset="0"/>
                             </a:rPr>
-                            <m:t>1,1</m:t>
+                            <m:t>1</m:t>
                           </m:r>
                         </m:sub>
                       </m:sSub>
@@ -8930,7 +9021,7 @@
             </p:txBody>
           </p:sp>
         </mc:Choice>
-        <mc:Fallback xmlns="">
+        <mc:Fallback>
           <p:sp>
             <p:nvSpPr>
               <p:cNvPr id="93" name="Rectangle: Rounded Corners 92">
@@ -8974,7 +9065,7 @@
               <a:lstStyle/>
               <a:p>
                 <a:r>
-                  <a:rPr lang="en-SG">
+                  <a:rPr lang="en-GB">
                     <a:noFill/>
                   </a:rPr>
                   <a:t> </a:t>
@@ -10370,8 +10461,8 @@
           </a:p>
         </p:txBody>
       </p:sp>
-      <mc:AlternateContent xmlns:mc="http://schemas.openxmlformats.org/markup-compatibility/2006" xmlns:a14="http://schemas.microsoft.com/office/drawing/2010/main">
-        <mc:Choice Requires="a14">
+      <mc:AlternateContent xmlns:mc="http://schemas.openxmlformats.org/markup-compatibility/2006">
+        <mc:Choice xmlns:a14="http://schemas.microsoft.com/office/drawing/2010/main" Requires="a14">
           <p:sp>
             <p:nvSpPr>
               <p:cNvPr id="39" name="Rectangle: Rounded Corners 38">
@@ -10449,7 +10540,7 @@
                             <a:rPr lang="en-GB" b="0" i="1" smtClean="0">
                               <a:latin typeface="Cambria Math" panose="02040503050406030204" pitchFamily="18" charset="0"/>
                             </a:rPr>
-                            <m:t>1,1</m:t>
+                            <m:t>1</m:t>
                           </m:r>
                         </m:sub>
                       </m:sSub>
@@ -10461,7 +10552,7 @@
             </p:txBody>
           </p:sp>
         </mc:Choice>
-        <mc:Fallback xmlns="">
+        <mc:Fallback>
           <p:sp>
             <p:nvSpPr>
               <p:cNvPr id="39" name="Rectangle: Rounded Corners 38">
@@ -10505,7 +10596,7 @@
               <a:lstStyle/>
               <a:p>
                 <a:r>
-                  <a:rPr lang="en-SG">
+                  <a:rPr lang="en-GB">
                     <a:noFill/>
                   </a:rPr>
                   <a:t> </a:t>
@@ -10515,8 +10606,8 @@
           </p:sp>
         </mc:Fallback>
       </mc:AlternateContent>
-      <mc:AlternateContent xmlns:mc="http://schemas.openxmlformats.org/markup-compatibility/2006" xmlns:a14="http://schemas.microsoft.com/office/drawing/2010/main">
-        <mc:Choice Requires="a14">
+      <mc:AlternateContent xmlns:mc="http://schemas.openxmlformats.org/markup-compatibility/2006">
+        <mc:Choice xmlns:a14="http://schemas.microsoft.com/office/drawing/2010/main" Requires="a14">
           <p:sp>
             <p:nvSpPr>
               <p:cNvPr id="40" name="Rectangle: Rounded Corners 39">
@@ -10590,12 +10681,6 @@
                           </m:r>
                         </m:e>
                         <m:sub>
-                          <m:r>
-                            <a:rPr lang="en-GB" b="0" i="1" smtClean="0">
-                              <a:latin typeface="Cambria Math" panose="02040503050406030204" pitchFamily="18" charset="0"/>
-                            </a:rPr>
-                            <m:t>1,</m:t>
-                          </m:r>
                           <m:sSub>
                             <m:sSubPr>
                               <m:ctrlPr>
@@ -10631,7 +10716,7 @@
             </p:txBody>
           </p:sp>
         </mc:Choice>
-        <mc:Fallback xmlns="">
+        <mc:Fallback>
           <p:sp>
             <p:nvSpPr>
               <p:cNvPr id="40" name="Rectangle: Rounded Corners 39">
@@ -10675,7 +10760,7 @@
               <a:lstStyle/>
               <a:p>
                 <a:r>
-                  <a:rPr lang="en-SG">
+                  <a:rPr lang="en-GB">
                     <a:noFill/>
                   </a:rPr>
                   <a:t> </a:t>
@@ -10820,8 +10905,8 @@
           </a:p>
         </p:txBody>
       </p:sp>
-      <mc:AlternateContent xmlns:mc="http://schemas.openxmlformats.org/markup-compatibility/2006" xmlns:a14="http://schemas.microsoft.com/office/drawing/2010/main">
-        <mc:Choice Requires="a14">
+      <mc:AlternateContent xmlns:mc="http://schemas.openxmlformats.org/markup-compatibility/2006">
+        <mc:Choice xmlns:a14="http://schemas.microsoft.com/office/drawing/2010/main" Requires="a14">
           <p:sp>
             <p:nvSpPr>
               <p:cNvPr id="53" name="Rectangle: Rounded Corners 52">
@@ -10899,7 +10984,7 @@
                             <a:rPr lang="en-GB" b="0" i="1" smtClean="0">
                               <a:latin typeface="Cambria Math" panose="02040503050406030204" pitchFamily="18" charset="0"/>
                             </a:rPr>
-                            <m:t>2,1</m:t>
+                            <m:t>1</m:t>
                           </m:r>
                         </m:sub>
                       </m:sSub>
@@ -10911,7 +10996,7 @@
             </p:txBody>
           </p:sp>
         </mc:Choice>
-        <mc:Fallback xmlns="">
+        <mc:Fallback>
           <p:sp>
             <p:nvSpPr>
               <p:cNvPr id="53" name="Rectangle: Rounded Corners 52">
@@ -10955,7 +11040,7 @@
               <a:lstStyle/>
               <a:p>
                 <a:r>
-                  <a:rPr lang="en-SG">
+                  <a:rPr lang="en-GB">
                     <a:noFill/>
                   </a:rPr>
                   <a:t> </a:t>
@@ -10965,8 +11050,8 @@
           </p:sp>
         </mc:Fallback>
       </mc:AlternateContent>
-      <mc:AlternateContent xmlns:mc="http://schemas.openxmlformats.org/markup-compatibility/2006" xmlns:a14="http://schemas.microsoft.com/office/drawing/2010/main">
-        <mc:Choice Requires="a14">
+      <mc:AlternateContent xmlns:mc="http://schemas.openxmlformats.org/markup-compatibility/2006">
+        <mc:Choice xmlns:a14="http://schemas.microsoft.com/office/drawing/2010/main" Requires="a14">
           <p:sp>
             <p:nvSpPr>
               <p:cNvPr id="54" name="Rectangle: Rounded Corners 53">
@@ -11040,12 +11125,6 @@
                           </m:r>
                         </m:e>
                         <m:sub>
-                          <m:r>
-                            <a:rPr lang="en-GB" b="0" i="1" smtClean="0">
-                              <a:latin typeface="Cambria Math" panose="02040503050406030204" pitchFamily="18" charset="0"/>
-                            </a:rPr>
-                            <m:t>2,</m:t>
-                          </m:r>
                           <m:sSub>
                             <m:sSubPr>
                               <m:ctrlPr>
@@ -11071,6 +11150,12 @@
                               </m:r>
                             </m:sub>
                           </m:sSub>
+                          <m:r>
+                            <a:rPr lang="en-GB" b="0" i="1" smtClean="0">
+                              <a:latin typeface="Cambria Math" panose="02040503050406030204" pitchFamily="18" charset="0"/>
+                            </a:rPr>
+                            <m:t> </m:t>
+                          </m:r>
                         </m:sub>
                       </m:sSub>
                     </m:oMath>
@@ -11081,7 +11166,7 @@
             </p:txBody>
           </p:sp>
         </mc:Choice>
-        <mc:Fallback xmlns="">
+        <mc:Fallback>
           <p:sp>
             <p:nvSpPr>
               <p:cNvPr id="54" name="Rectangle: Rounded Corners 53">
@@ -11125,7 +11210,7 @@
               <a:lstStyle/>
               <a:p>
                 <a:r>
-                  <a:rPr lang="en-SG">
+                  <a:rPr lang="en-GB">
                     <a:noFill/>
                   </a:rPr>
                   <a:t> </a:t>
@@ -11524,8 +11609,8 @@
           </a:p>
         </p:txBody>
       </p:sp>
-      <mc:AlternateContent xmlns:mc="http://schemas.openxmlformats.org/markup-compatibility/2006">
-        <mc:Choice xmlns:a14="http://schemas.microsoft.com/office/drawing/2010/main" Requires="a14">
+      <mc:AlternateContent xmlns:mc="http://schemas.openxmlformats.org/markup-compatibility/2006" xmlns:a14="http://schemas.microsoft.com/office/drawing/2010/main">
+        <mc:Choice Requires="a14">
           <p:sp>
             <p:nvSpPr>
               <p:cNvPr id="61" name="Rectangle: Rounded Corners 60">
@@ -11603,13 +11688,7 @@
                             <a:rPr lang="en-GB" b="0" i="1" smtClean="0">
                               <a:latin typeface="Cambria Math" panose="02040503050406030204" pitchFamily="18" charset="0"/>
                             </a:rPr>
-                            <m:t>1</m:t>
-                          </m:r>
-                          <m:r>
-                            <a:rPr lang="en-GB" b="0" i="1" smtClean="0">
-                              <a:latin typeface="Cambria Math" panose="02040503050406030204" pitchFamily="18" charset="0"/>
-                            </a:rPr>
-                            <m:t>,</m:t>
+                            <m:t>1,</m:t>
                           </m:r>
                           <m:sSub>
                             <m:sSubPr>
@@ -11646,7 +11725,7 @@
             </p:txBody>
           </p:sp>
         </mc:Choice>
-        <mc:Fallback>
+        <mc:Fallback xmlns="">
           <p:sp>
             <p:nvSpPr>
               <p:cNvPr id="61" name="Rectangle: Rounded Corners 60">
@@ -12762,8 +12841,8 @@
           </a:p>
         </p:txBody>
       </p:sp>
-      <mc:AlternateContent xmlns:mc="http://schemas.openxmlformats.org/markup-compatibility/2006">
-        <mc:Choice xmlns:a14="http://schemas.microsoft.com/office/drawing/2010/main" Requires="a14">
+      <mc:AlternateContent xmlns:mc="http://schemas.openxmlformats.org/markup-compatibility/2006" xmlns:a14="http://schemas.microsoft.com/office/drawing/2010/main">
+        <mc:Choice Requires="a14">
           <p:sp>
             <p:nvSpPr>
               <p:cNvPr id="79" name="Rectangle: Rounded Corners 78">
@@ -12841,13 +12920,7 @@
                             <a:rPr lang="en-GB" b="0" i="1" smtClean="0">
                               <a:latin typeface="Cambria Math" panose="02040503050406030204" pitchFamily="18" charset="0"/>
                             </a:rPr>
-                            <m:t>1</m:t>
-                          </m:r>
-                          <m:r>
-                            <a:rPr lang="en-GB" b="0" i="1" smtClean="0">
-                              <a:latin typeface="Cambria Math" panose="02040503050406030204" pitchFamily="18" charset="0"/>
-                            </a:rPr>
-                            <m:t>,</m:t>
+                            <m:t>1,</m:t>
                           </m:r>
                           <m:sSub>
                             <m:sSubPr>
@@ -12884,7 +12957,7 @@
             </p:txBody>
           </p:sp>
         </mc:Choice>
-        <mc:Fallback>
+        <mc:Fallback xmlns="">
           <p:sp>
             <p:nvSpPr>
               <p:cNvPr id="79" name="Rectangle: Rounded Corners 78">
@@ -13275,8 +13348,8 @@
           </a:fontRef>
         </p:style>
       </p:cxnSp>
-      <mc:AlternateContent xmlns:mc="http://schemas.openxmlformats.org/markup-compatibility/2006" xmlns:a14="http://schemas.microsoft.com/office/drawing/2010/main">
-        <mc:Choice Requires="a14">
+      <mc:AlternateContent xmlns:mc="http://schemas.openxmlformats.org/markup-compatibility/2006">
+        <mc:Choice xmlns:a14="http://schemas.microsoft.com/office/drawing/2010/main" Requires="a14">
           <p:sp>
             <p:nvSpPr>
               <p:cNvPr id="91" name="Rectangle: Rounded Corners 90">
@@ -13350,12 +13423,6 @@
                           </m:r>
                         </m:e>
                         <m:sub>
-                          <m:r>
-                            <a:rPr lang="en-GB" b="0" i="1" smtClean="0">
-                              <a:latin typeface="Cambria Math" panose="02040503050406030204" pitchFamily="18" charset="0"/>
-                            </a:rPr>
-                            <m:t>2,</m:t>
-                          </m:r>
                           <m:sSub>
                             <m:sSubPr>
                               <m:ctrlPr>
@@ -13391,7 +13458,7 @@
             </p:txBody>
           </p:sp>
         </mc:Choice>
-        <mc:Fallback xmlns="">
+        <mc:Fallback>
           <p:sp>
             <p:nvSpPr>
               <p:cNvPr id="91" name="Rectangle: Rounded Corners 90">
@@ -13435,7 +13502,7 @@
               <a:lstStyle/>
               <a:p>
                 <a:r>
-                  <a:rPr lang="en-SG">
+                  <a:rPr lang="en-GB">
                     <a:noFill/>
                   </a:rPr>
                   <a:t> </a:t>
@@ -13482,8 +13549,8 @@
           </a:p>
         </p:txBody>
       </p:sp>
-      <mc:AlternateContent xmlns:mc="http://schemas.openxmlformats.org/markup-compatibility/2006" xmlns:a14="http://schemas.microsoft.com/office/drawing/2010/main">
-        <mc:Choice Requires="a14">
+      <mc:AlternateContent xmlns:mc="http://schemas.openxmlformats.org/markup-compatibility/2006">
+        <mc:Choice xmlns:a14="http://schemas.microsoft.com/office/drawing/2010/main" Requires="a14">
           <p:sp>
             <p:nvSpPr>
               <p:cNvPr id="93" name="Rectangle: Rounded Corners 92">
@@ -13561,7 +13628,7 @@
                             <a:rPr lang="en-GB" b="0" i="1" smtClean="0">
                               <a:latin typeface="Cambria Math" panose="02040503050406030204" pitchFamily="18" charset="0"/>
                             </a:rPr>
-                            <m:t>2,1</m:t>
+                            <m:t>1</m:t>
                           </m:r>
                         </m:sub>
                       </m:sSub>
@@ -13573,7 +13640,7 @@
             </p:txBody>
           </p:sp>
         </mc:Choice>
-        <mc:Fallback xmlns="">
+        <mc:Fallback>
           <p:sp>
             <p:nvSpPr>
               <p:cNvPr id="93" name="Rectangle: Rounded Corners 92">
@@ -13617,7 +13684,7 @@
               <a:lstStyle/>
               <a:p>
                 <a:r>
-                  <a:rPr lang="en-SG">
+                  <a:rPr lang="en-GB">
                     <a:noFill/>
                   </a:rPr>
                   <a:t> </a:t>
